--- a/A2/A2 Presentation.pptx
+++ b/A2/A2 Presentation.pptx
@@ -5,15 +5,16 @@
     <p:sldMasterId id="2147483648" r:id="rId4"/>
   </p:sldMasterIdLst>
   <p:notesMasterIdLst>
-    <p:notesMasterId r:id="rId11"/>
+    <p:notesMasterId r:id="rId12"/>
   </p:notesMasterIdLst>
   <p:sldIdLst>
     <p:sldId id="256" r:id="rId5"/>
     <p:sldId id="257" r:id="rId6"/>
-    <p:sldId id="258" r:id="rId7"/>
-    <p:sldId id="259" r:id="rId8"/>
-    <p:sldId id="262" r:id="rId9"/>
-    <p:sldId id="261" r:id="rId10"/>
+    <p:sldId id="263" r:id="rId7"/>
+    <p:sldId id="258" r:id="rId8"/>
+    <p:sldId id="259" r:id="rId9"/>
+    <p:sldId id="262" r:id="rId10"/>
+    <p:sldId id="261" r:id="rId11"/>
   </p:sldIdLst>
   <p:sldSz cx="12192000" cy="6858000"/>
   <p:notesSz cx="6858000" cy="9144000"/>
@@ -202,7 +203,7 @@
           <a:p>
             <a:fld id="{EDE0A0D5-8F98-4CC1-A28E-021F0B6B475C}" type="datetimeFigureOut">
               <a:rPr lang="en-US" smtClean="0"/>
-              <a:t>4/3/2022</a:t>
+              <a:t>4/11/2022</a:t>
             </a:fld>
             <a:endParaRPr lang="en-US" dirty="0"/>
           </a:p>
@@ -637,7 +638,7 @@
           <a:p>
             <a:fld id="{3A750590-9F9A-443B-9295-A3931D8194B1}" type="datetime1">
               <a:rPr lang="en-US" smtClean="0"/>
-              <a:t>4/3/2022</a:t>
+              <a:t>4/11/2022</a:t>
             </a:fld>
             <a:endParaRPr lang="en-US" dirty="0"/>
           </a:p>
@@ -898,7 +899,7 @@
           <a:p>
             <a:fld id="{5F35805F-452B-497C-9BD6-2CDB6902F369}" type="datetime1">
               <a:rPr lang="en-US" smtClean="0"/>
-              <a:t>4/3/2022</a:t>
+              <a:t>4/11/2022</a:t>
             </a:fld>
             <a:endParaRPr lang="en-US" dirty="0"/>
           </a:p>
@@ -1123,7 +1124,7 @@
           <a:p>
             <a:fld id="{FD3F7C6B-C82D-4D42-9929-D6E7E11D9A64}" type="datetime1">
               <a:rPr lang="en-US" smtClean="0"/>
-              <a:t>4/3/2022</a:t>
+              <a:t>4/11/2022</a:t>
             </a:fld>
             <a:endParaRPr lang="en-US" dirty="0"/>
           </a:p>
@@ -1427,7 +1428,7 @@
           <a:p>
             <a:fld id="{10CF4779-62E8-4B21-A5D7-0AFB9DBD4358}" type="datetime1">
               <a:rPr lang="en-US" smtClean="0"/>
-              <a:t>4/3/2022</a:t>
+              <a:t>4/11/2022</a:t>
             </a:fld>
             <a:endParaRPr lang="en-US" dirty="0"/>
           </a:p>
@@ -1894,7 +1895,7 @@
           <a:p>
             <a:fld id="{5F9D3375-5CD0-4576-BF96-ADFF24726FF8}" type="datetime1">
               <a:rPr lang="en-US" smtClean="0"/>
-              <a:t>4/3/2022</a:t>
+              <a:t>4/11/2022</a:t>
             </a:fld>
             <a:endParaRPr lang="en-US" dirty="0"/>
           </a:p>
@@ -2435,7 +2436,7 @@
           <a:p>
             <a:fld id="{6FACD1F8-971E-4F8C-8737-750C12E93E08}" type="datetime1">
               <a:rPr lang="en-US" smtClean="0"/>
-              <a:t>4/3/2022</a:t>
+              <a:t>4/11/2022</a:t>
             </a:fld>
             <a:endParaRPr lang="en-US" dirty="0"/>
           </a:p>
@@ -3203,7 +3204,7 @@
           <a:p>
             <a:fld id="{2C7D1621-FA30-4D98-85E5-1409E6BEECDC}" type="datetime1">
               <a:rPr lang="en-US" smtClean="0"/>
-              <a:t>4/3/2022</a:t>
+              <a:t>4/11/2022</a:t>
             </a:fld>
             <a:endParaRPr lang="en-US" dirty="0"/>
           </a:p>
@@ -3371,7 +3372,7 @@
           <a:p>
             <a:fld id="{1F96F347-1B2F-4097-AEB5-4A26FB45D67A}" type="datetime1">
               <a:rPr lang="en-US" smtClean="0"/>
-              <a:t>4/3/2022</a:t>
+              <a:t>4/11/2022</a:t>
             </a:fld>
             <a:endParaRPr lang="en-US" dirty="0"/>
           </a:p>
@@ -3587,7 +3588,7 @@
           <a:p>
             <a:fld id="{8CC1DEE0-34E5-4E0F-BEC1-4B8835F82CD1}" type="datetime1">
               <a:rPr lang="en-US" smtClean="0"/>
-              <a:t>4/3/2022</a:t>
+              <a:t>4/11/2022</a:t>
             </a:fld>
             <a:endParaRPr lang="en-US" dirty="0"/>
           </a:p>
@@ -3760,7 +3761,7 @@
           <a:p>
             <a:fld id="{3B75B4BE-627A-4EC1-99E1-6F1AA97AB802}" type="datetime1">
               <a:rPr lang="en-US" smtClean="0"/>
-              <a:t>4/3/2022</a:t>
+              <a:t>4/11/2022</a:t>
             </a:fld>
             <a:endParaRPr lang="en-US" dirty="0"/>
           </a:p>
@@ -4043,7 +4044,7 @@
           <a:p>
             <a:fld id="{78BFACF8-E63D-4673-A128-83547867BB7A}" type="datetime1">
               <a:rPr lang="en-US" smtClean="0"/>
-              <a:t>4/3/2022</a:t>
+              <a:t>4/11/2022</a:t>
             </a:fld>
             <a:endParaRPr lang="en-US" dirty="0"/>
           </a:p>
@@ -4277,7 +4278,7 @@
           <a:p>
             <a:fld id="{15BED6AC-4FBA-40BD-BE75-20DB64DA4BAD}" type="datetime1">
               <a:rPr lang="en-US" smtClean="0"/>
-              <a:t>4/3/2022</a:t>
+              <a:t>4/11/2022</a:t>
             </a:fld>
             <a:endParaRPr lang="en-US" dirty="0"/>
           </a:p>
@@ -4648,7 +4649,7 @@
           <a:p>
             <a:fld id="{3F933C87-D201-458A-93C0-8EDD9AC92D93}" type="datetime1">
               <a:rPr lang="en-US" smtClean="0"/>
-              <a:t>4/3/2022</a:t>
+              <a:t>4/11/2022</a:t>
             </a:fld>
             <a:endParaRPr lang="en-US" dirty="0"/>
           </a:p>
@@ -4760,7 +4761,7 @@
           <a:p>
             <a:fld id="{76CE6829-5A25-485A-91B1-5D6D58BB9F23}" type="datetime1">
               <a:rPr lang="en-US" smtClean="0"/>
-              <a:t>4/3/2022</a:t>
+              <a:t>4/11/2022</a:t>
             </a:fld>
             <a:endParaRPr lang="en-US" dirty="0"/>
           </a:p>
@@ -4850,7 +4851,7 @@
           <a:p>
             <a:fld id="{9912F5CD-23D0-4DD1-85B1-71F1825FB3EC}" type="datetime1">
               <a:rPr lang="en-US" smtClean="0"/>
-              <a:t>4/3/2022</a:t>
+              <a:t>4/11/2022</a:t>
             </a:fld>
             <a:endParaRPr lang="en-US" dirty="0"/>
           </a:p>
@@ -5092,7 +5093,7 @@
           <a:p>
             <a:fld id="{38BA5035-C284-496A-B076-BA73A8FA5D8B}" type="datetime1">
               <a:rPr lang="en-US" smtClean="0"/>
-              <a:t>4/3/2022</a:t>
+              <a:t>4/11/2022</a:t>
             </a:fld>
             <a:endParaRPr lang="en-US" dirty="0"/>
           </a:p>
@@ -5343,7 +5344,7 @@
           <a:p>
             <a:fld id="{B40EB420-1875-490A-8C4B-7AAB939FBE08}" type="datetime1">
               <a:rPr lang="en-US" smtClean="0"/>
-              <a:t>4/3/2022</a:t>
+              <a:t>4/11/2022</a:t>
             </a:fld>
             <a:endParaRPr lang="en-US" dirty="0"/>
           </a:p>
@@ -5579,7 +5580,7 @@
           <a:p>
             <a:fld id="{D9359126-4846-4E88-BDD9-5585CC877E47}" type="datetime1">
               <a:rPr lang="en-US" smtClean="0"/>
-              <a:t>4/3/2022</a:t>
+              <a:t>4/11/2022</a:t>
             </a:fld>
             <a:endParaRPr lang="en-US" dirty="0"/>
           </a:p>
@@ -6506,7 +6507,7 @@
           <a:p>
             <a:r>
               <a:rPr lang="en-US" dirty="0"/>
-              <a:t>Our input</a:t>
+              <a:t>Input Analysis</a:t>
             </a:r>
           </a:p>
         </p:txBody>
@@ -7711,6 +7712,347 @@
           <a:p>
             <a:r>
               <a:rPr lang="en-US" dirty="0"/>
+              <a:t>Our Assumptions</a:t>
+            </a:r>
+          </a:p>
+        </p:txBody>
+      </p:sp>
+      <p:sp>
+        <p:nvSpPr>
+          <p:cNvPr id="5" name="Content Placeholder 4">
+            <a:extLst>
+              <a:ext uri="{FF2B5EF4-FFF2-40B4-BE49-F238E27FC236}">
+                <a16:creationId xmlns:a16="http://schemas.microsoft.com/office/drawing/2014/main" id="{3E700827-602C-4F58-ABA4-1DD3B66F8DD9}"/>
+              </a:ext>
+            </a:extLst>
+          </p:cNvPr>
+          <p:cNvSpPr>
+            <a:spLocks noGrp="1"/>
+          </p:cNvSpPr>
+          <p:nvPr>
+            <p:ph idx="1"/>
+          </p:nvPr>
+        </p:nvSpPr>
+        <p:spPr>
+          <a:xfrm>
+            <a:off x="4072130" y="2194560"/>
+            <a:ext cx="7434070" cy="4024125"/>
+          </a:xfrm>
+        </p:spPr>
+        <p:txBody>
+          <a:bodyPr>
+            <a:normAutofit/>
+          </a:bodyPr>
+          <a:lstStyle/>
+          <a:p>
+            <a:r>
+              <a:rPr lang="en-AU" dirty="0"/>
+              <a:t>One way highway, 40 km in total</a:t>
+            </a:r>
+          </a:p>
+          <a:p>
+            <a:r>
+              <a:rPr lang="en-AU" dirty="0"/>
+              <a:t>Equally-sized cells of 2 km in diameter</a:t>
+            </a:r>
+          </a:p>
+          <a:p>
+            <a:r>
+              <a:rPr lang="en-AU" dirty="0"/>
+              <a:t>10 channels per cell</a:t>
+            </a:r>
+          </a:p>
+          <a:p>
+            <a:r>
+              <a:rPr lang="en-AU" dirty="0"/>
+              <a:t>Using Fixed Channel Allocation</a:t>
+            </a:r>
+          </a:p>
+          <a:p>
+            <a:r>
+              <a:rPr lang="en-AU" dirty="0"/>
+              <a:t>Negligible handover time</a:t>
+            </a:r>
+          </a:p>
+          <a:p>
+            <a:r>
+              <a:rPr lang="en-AU" dirty="0"/>
+              <a:t>Using hard handovers</a:t>
+            </a:r>
+          </a:p>
+        </p:txBody>
+      </p:sp>
+    </p:spTree>
+    <p:extLst>
+      <p:ext uri="{BB962C8B-B14F-4D97-AF65-F5344CB8AC3E}">
+        <p14:creationId xmlns:p14="http://schemas.microsoft.com/office/powerpoint/2010/main" val="102959389"/>
+      </p:ext>
+    </p:extLst>
+  </p:cSld>
+  <p:clrMapOvr>
+    <a:overrideClrMapping bg1="lt1" tx1="dk1" bg2="lt2" tx2="dk2" accent1="accent1" accent2="accent2" accent3="accent3" accent4="accent4" accent5="accent5" accent6="accent6" hlink="hlink" folHlink="folHlink"/>
+  </p:clrMapOvr>
+</p:sld>
+</file>
+
+<file path=ppt/slides/slide4.xml><?xml version="1.0" encoding="utf-8"?>
+<p:sld xmlns:a="http://schemas.openxmlformats.org/drawingml/2006/main" xmlns:r="http://schemas.openxmlformats.org/officeDocument/2006/relationships" xmlns:p="http://schemas.openxmlformats.org/presentationml/2006/main">
+  <p:cSld>
+    <p:bg>
+      <p:bgRef idx="1003">
+        <a:schemeClr val="bg1"/>
+      </p:bgRef>
+    </p:bg>
+    <p:spTree>
+      <p:nvGrpSpPr>
+        <p:cNvPr id="1" name=""/>
+        <p:cNvGrpSpPr/>
+        <p:nvPr/>
+      </p:nvGrpSpPr>
+      <p:grpSpPr>
+        <a:xfrm>
+          <a:off x="0" y="0"/>
+          <a:ext cx="0" cy="0"/>
+          <a:chOff x="0" y="0"/>
+          <a:chExt cx="0" cy="0"/>
+        </a:xfrm>
+      </p:grpSpPr>
+      <p:sp useBgFill="1">
+        <p:nvSpPr>
+          <p:cNvPr id="8" name="Rectangle 7">
+            <a:extLst>
+              <a:ext uri="{FF2B5EF4-FFF2-40B4-BE49-F238E27FC236}">
+                <a16:creationId xmlns:a16="http://schemas.microsoft.com/office/drawing/2014/main" id="{A38A195E-584A-485A-BECD-66468900B947}"/>
+              </a:ext>
+              <a:ext uri="{C183D7F6-B498-43B3-948B-1728B52AA6E4}">
+                <adec:decorative xmlns:adec="http://schemas.microsoft.com/office/drawing/2017/decorative" val="1"/>
+              </a:ext>
+            </a:extLst>
+          </p:cNvPr>
+          <p:cNvSpPr>
+            <a:spLocks noGrp="1" noRot="1" noChangeAspect="1" noMove="1" noResize="1" noEditPoints="1" noAdjustHandles="1" noChangeArrowheads="1" noChangeShapeType="1" noTextEdit="1"/>
+          </p:cNvSpPr>
+          <p:nvPr>
+            <p:extLst>
+              <p:ext uri="{386F3935-93C4-4BCD-93E2-E3B085C9AB24}">
+                <p16:designElem xmlns:p16="http://schemas.microsoft.com/office/powerpoint/2015/main" val="1"/>
+              </p:ext>
+            </p:extLst>
+          </p:nvPr>
+        </p:nvSpPr>
+        <p:spPr>
+          <a:xfrm>
+            <a:off x="0" y="0"/>
+            <a:ext cx="12192000" cy="6858000"/>
+          </a:xfrm>
+          <a:prstGeom prst="rect">
+            <a:avLst/>
+          </a:prstGeom>
+          <a:ln>
+            <a:noFill/>
+          </a:ln>
+        </p:spPr>
+        <p:style>
+          <a:lnRef idx="2">
+            <a:schemeClr val="accent1">
+              <a:shade val="50000"/>
+            </a:schemeClr>
+          </a:lnRef>
+          <a:fillRef idx="1">
+            <a:schemeClr val="accent1"/>
+          </a:fillRef>
+          <a:effectRef idx="0">
+            <a:schemeClr val="accent1"/>
+          </a:effectRef>
+          <a:fontRef idx="minor">
+            <a:schemeClr val="lt1"/>
+          </a:fontRef>
+        </p:style>
+        <p:txBody>
+          <a:bodyPr rtlCol="0" anchor="ctr"/>
+          <a:lstStyle/>
+          <a:p>
+            <a:pPr algn="ctr"/>
+            <a:endParaRPr lang="en-US" dirty="0"/>
+          </a:p>
+        </p:txBody>
+      </p:sp>
+      <p:sp>
+        <p:nvSpPr>
+          <p:cNvPr id="10" name="Rectangle 9">
+            <a:extLst>
+              <a:ext uri="{FF2B5EF4-FFF2-40B4-BE49-F238E27FC236}">
+                <a16:creationId xmlns:a16="http://schemas.microsoft.com/office/drawing/2014/main" id="{840177A7-740C-43C7-8F2D-BD7067F12C9C}"/>
+              </a:ext>
+              <a:ext uri="{C183D7F6-B498-43B3-948B-1728B52AA6E4}">
+                <adec:decorative xmlns:adec="http://schemas.microsoft.com/office/drawing/2017/decorative" val="1"/>
+              </a:ext>
+            </a:extLst>
+          </p:cNvPr>
+          <p:cNvSpPr>
+            <a:spLocks noGrp="1" noRot="1" noChangeAspect="1" noMove="1" noResize="1" noEditPoints="1" noAdjustHandles="1" noChangeArrowheads="1" noChangeShapeType="1" noTextEdit="1"/>
+          </p:cNvSpPr>
+          <p:nvPr>
+            <p:extLst>
+              <p:ext uri="{386F3935-93C4-4BCD-93E2-E3B085C9AB24}">
+                <p16:designElem xmlns:p16="http://schemas.microsoft.com/office/powerpoint/2015/main" val="1"/>
+              </p:ext>
+            </p:extLst>
+          </p:nvPr>
+        </p:nvSpPr>
+        <p:spPr>
+          <a:xfrm>
+            <a:off x="0" y="0"/>
+            <a:ext cx="3406393" cy="6858000"/>
+          </a:xfrm>
+          <a:prstGeom prst="rect">
+            <a:avLst/>
+          </a:prstGeom>
+          <a:solidFill>
+            <a:schemeClr val="bg1">
+              <a:lumMod val="95000"/>
+              <a:lumOff val="5000"/>
+            </a:schemeClr>
+          </a:solidFill>
+          <a:ln>
+            <a:noFill/>
+          </a:ln>
+          <a:effectLst>
+            <a:outerShdw blurRad="63500" dist="38100" algn="l" rotWithShape="0">
+              <a:prstClr val="black">
+                <a:alpha val="40000"/>
+              </a:prstClr>
+            </a:outerShdw>
+          </a:effectLst>
+        </p:spPr>
+        <p:style>
+          <a:lnRef idx="2">
+            <a:schemeClr val="accent1">
+              <a:shade val="50000"/>
+            </a:schemeClr>
+          </a:lnRef>
+          <a:fillRef idx="1">
+            <a:schemeClr val="accent1"/>
+          </a:fillRef>
+          <a:effectRef idx="0">
+            <a:schemeClr val="accent1"/>
+          </a:effectRef>
+          <a:fontRef idx="minor">
+            <a:schemeClr val="lt1"/>
+          </a:fontRef>
+        </p:style>
+        <p:txBody>
+          <a:bodyPr rtlCol="0" anchor="ctr"/>
+          <a:lstStyle/>
+          <a:p>
+            <a:pPr marL="0" marR="0" lvl="0" indent="0" algn="ctr" defTabSz="457200" rtl="0" eaLnBrk="1" fontAlgn="auto" latinLnBrk="0" hangingPunct="1">
+              <a:lnSpc>
+                <a:spcPct val="100000"/>
+              </a:lnSpc>
+              <a:spcBef>
+                <a:spcPts val="0"/>
+              </a:spcBef>
+              <a:spcAft>
+                <a:spcPts val="0"/>
+              </a:spcAft>
+              <a:buClrTx/>
+              <a:buSzTx/>
+              <a:buFontTx/>
+              <a:buNone/>
+              <a:tabLst/>
+              <a:defRPr/>
+            </a:pPr>
+            <a:endParaRPr kumimoji="0" lang="en-US" sz="1800" b="0" i="0" u="none" strike="noStrike" kern="1200" cap="none" spc="0" normalizeH="0" baseline="0" noProof="0" dirty="0">
+              <a:ln>
+                <a:noFill/>
+              </a:ln>
+              <a:solidFill>
+                <a:prstClr val="white"/>
+              </a:solidFill>
+              <a:effectLst/>
+              <a:uLnTx/>
+              <a:uFillTx/>
+              <a:latin typeface="Century Gothic" panose="020B0502020202020204"/>
+              <a:ea typeface="+mn-ea"/>
+              <a:cs typeface="+mn-cs"/>
+            </a:endParaRPr>
+          </a:p>
+        </p:txBody>
+      </p:sp>
+      <p:pic>
+        <p:nvPicPr>
+          <p:cNvPr id="12" name="Picture 11">
+            <a:extLst>
+              <a:ext uri="{FF2B5EF4-FFF2-40B4-BE49-F238E27FC236}">
+                <a16:creationId xmlns:a16="http://schemas.microsoft.com/office/drawing/2014/main" id="{FF525AAA-82CE-4027-A26C-B0EFFD856F2E}"/>
+              </a:ext>
+              <a:ext uri="{C183D7F6-B498-43B3-948B-1728B52AA6E4}">
+                <adec:decorative xmlns:adec="http://schemas.microsoft.com/office/drawing/2017/decorative" val="1"/>
+              </a:ext>
+            </a:extLst>
+          </p:cNvPr>
+          <p:cNvPicPr>
+            <a:picLocks noGrp="1" noRot="1" noChangeAspect="1" noMove="1" noResize="1" noEditPoints="1" noAdjustHandles="1" noChangeArrowheads="1" noChangeShapeType="1" noCrop="1"/>
+          </p:cNvPicPr>
+          <p:nvPr>
+            <p:extLst>
+              <p:ext uri="{386F3935-93C4-4BCD-93E2-E3B085C9AB24}">
+                <p16:designElem xmlns:p16="http://schemas.microsoft.com/office/powerpoint/2015/main" val="1"/>
+              </p:ext>
+            </p:extLst>
+          </p:nvPr>
+        </p:nvPicPr>
+        <p:blipFill rotWithShape="1">
+          <a:blip r:embed="rId2">
+            <a:extLst>
+              <a:ext uri="{28A0092B-C50C-407E-A947-70E740481C1C}">
+                <a14:useLocalDpi xmlns:a14="http://schemas.microsoft.com/office/drawing/2010/main" val="0"/>
+              </a:ext>
+            </a:extLst>
+          </a:blip>
+          <a:srcRect t="-534"/>
+          <a:stretch/>
+        </p:blipFill>
+        <p:spPr>
+          <a:xfrm rot="5400000" flipH="1" flipV="1">
+            <a:off x="-1265719" y="2187575"/>
+            <a:ext cx="6857999" cy="2482850"/>
+          </a:xfrm>
+          <a:prstGeom prst="rect">
+            <a:avLst/>
+          </a:prstGeom>
+        </p:spPr>
+      </p:pic>
+      <p:sp>
+        <p:nvSpPr>
+          <p:cNvPr id="2" name="Title 1">
+            <a:extLst>
+              <a:ext uri="{FF2B5EF4-FFF2-40B4-BE49-F238E27FC236}">
+                <a16:creationId xmlns:a16="http://schemas.microsoft.com/office/drawing/2014/main" id="{A389EA88-8D83-4F3F-A4C1-4B16E2377F9E}"/>
+              </a:ext>
+            </a:extLst>
+          </p:cNvPr>
+          <p:cNvSpPr>
+            <a:spLocks noGrp="1"/>
+          </p:cNvSpPr>
+          <p:nvPr>
+            <p:ph type="title"/>
+          </p:nvPr>
+        </p:nvSpPr>
+        <p:spPr>
+          <a:xfrm>
+            <a:off x="4090507" y="764373"/>
+            <a:ext cx="7434070" cy="1474330"/>
+          </a:xfrm>
+        </p:spPr>
+        <p:txBody>
+          <a:bodyPr>
+            <a:normAutofit/>
+          </a:bodyPr>
+          <a:lstStyle/>
+          <a:p>
+            <a:r>
+              <a:rPr lang="en-US" dirty="0"/>
               <a:t>Results for Current System</a:t>
             </a:r>
           </a:p>
@@ -8291,7 +8633,7 @@
 </p:sld>
 </file>
 
-<file path=ppt/slides/slide4.xml><?xml version="1.0" encoding="utf-8"?>
+<file path=ppt/slides/slide5.xml><?xml version="1.0" encoding="utf-8"?>
 <p:sld xmlns:a="http://schemas.openxmlformats.org/drawingml/2006/main" xmlns:r="http://schemas.openxmlformats.org/officeDocument/2006/relationships" xmlns:p="http://schemas.openxmlformats.org/presentationml/2006/main">
   <p:cSld>
     <p:bg>
@@ -9135,7 +9477,7 @@
 </p:sld>
 </file>
 
-<file path=ppt/slides/slide5.xml><?xml version="1.0" encoding="utf-8"?>
+<file path=ppt/slides/slide6.xml><?xml version="1.0" encoding="utf-8"?>
 <p:sld xmlns:a="http://schemas.openxmlformats.org/drawingml/2006/main" xmlns:r="http://schemas.openxmlformats.org/officeDocument/2006/relationships" xmlns:p="http://schemas.openxmlformats.org/presentationml/2006/main">
   <p:cSld>
     <p:bg>
@@ -9979,7 +10321,7 @@
 </p:sld>
 </file>
 
-<file path=ppt/slides/slide6.xml><?xml version="1.0" encoding="utf-8"?>
+<file path=ppt/slides/slide7.xml><?xml version="1.0" encoding="utf-8"?>
 <p:sld xmlns:a="http://schemas.openxmlformats.org/drawingml/2006/main" xmlns:r="http://schemas.openxmlformats.org/officeDocument/2006/relationships" xmlns:p="http://schemas.openxmlformats.org/presentationml/2006/main">
   <p:cSld>
     <p:bg>
@@ -10872,6 +11214,23 @@
 </file>
 
 <file path=customXml/item1.xml><?xml version="1.0" encoding="utf-8"?>
+<?mso-contentType ?>
+<FormTemplates xmlns="http://schemas.microsoft.com/sharepoint/v3/contenttype/forms">
+  <Display>DocumentLibraryForm</Display>
+  <Edit>DocumentLibraryForm</Edit>
+  <New>DocumentLibraryForm</New>
+</FormTemplates>
+</file>
+
+<file path=customXml/item2.xml><?xml version="1.0" encoding="utf-8"?>
+<p:properties xmlns:p="http://schemas.microsoft.com/office/2006/metadata/properties" xmlns:xsi="http://www.w3.org/2001/XMLSchema-instance" xmlns:pc="http://schemas.microsoft.com/office/infopath/2007/PartnerControls">
+  <documentManagement>
+    <MediaServiceKeyPoints xmlns="71af3243-3dd4-4a8d-8c0d-dd76da1f02a5" xsi:nil="true"/>
+  </documentManagement>
+</p:properties>
+</file>
+
+<file path=customXml/item3.xml><?xml version="1.0" encoding="utf-8"?>
 <ct:contentTypeSchema xmlns:ct="http://schemas.microsoft.com/office/2006/metadata/contentType" xmlns:ma="http://schemas.microsoft.com/office/2006/metadata/properties/metaAttributes" ct:_="" ma:_="" ma:contentTypeName="Document" ma:contentTypeID="0x01010079F111ED35F8CC479449609E8A0923A6" ma:contentTypeVersion="11" ma:contentTypeDescription="Create a new document." ma:contentTypeScope="" ma:versionID="9677210f24a1be23c92c90fd886aa0aa">
   <xsd:schema xmlns:xsd="http://www.w3.org/2001/XMLSchema" xmlns:xs="http://www.w3.org/2001/XMLSchema" xmlns:p="http://schemas.microsoft.com/office/2006/metadata/properties" xmlns:ns2="71af3243-3dd4-4a8d-8c0d-dd76da1f02a5" xmlns:ns3="16c05727-aa75-4e4a-9b5f-8a80a1165891" targetNamespace="http://schemas.microsoft.com/office/2006/metadata/properties" ma:root="true" ma:fieldsID="60e05723c5c1908df1a1a4ebf11d344e" ns2:_="" ns3:_="">
     <xsd:import namespace="71af3243-3dd4-4a8d-8c0d-dd76da1f02a5"/>
@@ -11082,24 +11441,25 @@
 </ct:contentTypeSchema>
 </file>
 
-<file path=customXml/item2.xml><?xml version="1.0" encoding="utf-8"?>
-<p:properties xmlns:p="http://schemas.microsoft.com/office/2006/metadata/properties" xmlns:xsi="http://www.w3.org/2001/XMLSchema-instance" xmlns:pc="http://schemas.microsoft.com/office/infopath/2007/PartnerControls">
-  <documentManagement>
-    <MediaServiceKeyPoints xmlns="71af3243-3dd4-4a8d-8c0d-dd76da1f02a5" xsi:nil="true"/>
-  </documentManagement>
-</p:properties>
+<file path=customXml/itemProps1.xml><?xml version="1.0" encoding="utf-8"?>
+<ds:datastoreItem xmlns:ds="http://schemas.openxmlformats.org/officeDocument/2006/customXml" ds:itemID="{10BEB954-4024-4CCF-A9D6-4C00FDC028D9}">
+  <ds:schemaRefs>
+    <ds:schemaRef ds:uri="http://schemas.microsoft.com/sharepoint/v3/contenttype/forms"/>
+  </ds:schemaRefs>
+</ds:datastoreItem>
 </file>
 
-<file path=customXml/item3.xml><?xml version="1.0" encoding="utf-8"?>
-<?mso-contentType ?>
-<FormTemplates xmlns="http://schemas.microsoft.com/sharepoint/v3/contenttype/forms">
-  <Display>DocumentLibraryForm</Display>
-  <Edit>DocumentLibraryForm</Edit>
-  <New>DocumentLibraryForm</New>
-</FormTemplates>
+<file path=customXml/itemProps2.xml><?xml version="1.0" encoding="utf-8"?>
+<ds:datastoreItem xmlns:ds="http://schemas.openxmlformats.org/officeDocument/2006/customXml" ds:itemID="{4710EE66-8707-456F-8F2E-091D581CB030}">
+  <ds:schemaRefs>
+    <ds:schemaRef ds:uri="http://schemas.microsoft.com/office/2006/metadata/properties"/>
+    <ds:schemaRef ds:uri="http://schemas.microsoft.com/office/infopath/2007/PartnerControls"/>
+    <ds:schemaRef ds:uri="71af3243-3dd4-4a8d-8c0d-dd76da1f02a5"/>
+  </ds:schemaRefs>
+</ds:datastoreItem>
 </file>
 
-<file path=customXml/itemProps1.xml><?xml version="1.0" encoding="utf-8"?>
+<file path=customXml/itemProps3.xml><?xml version="1.0" encoding="utf-8"?>
 <ds:datastoreItem xmlns:ds="http://schemas.openxmlformats.org/officeDocument/2006/customXml" ds:itemID="{AB96CC85-5758-41C0-8EFD-737AFB69121D}">
   <ds:schemaRefs>
     <ds:schemaRef ds:uri="http://schemas.microsoft.com/office/2006/metadata/contentType"/>
@@ -11116,22 +11476,4 @@
     <ds:schemaRef ds:uri="http://schemas.microsoft.com/internal/obd"/>
   </ds:schemaRefs>
 </ds:datastoreItem>
-</file>
-
-<file path=customXml/itemProps2.xml><?xml version="1.0" encoding="utf-8"?>
-<ds:datastoreItem xmlns:ds="http://schemas.openxmlformats.org/officeDocument/2006/customXml" ds:itemID="{4710EE66-8707-456F-8F2E-091D581CB030}">
-  <ds:schemaRefs>
-    <ds:schemaRef ds:uri="http://schemas.microsoft.com/office/2006/metadata/properties"/>
-    <ds:schemaRef ds:uri="http://schemas.microsoft.com/office/infopath/2007/PartnerControls"/>
-    <ds:schemaRef ds:uri="71af3243-3dd4-4a8d-8c0d-dd76da1f02a5"/>
-  </ds:schemaRefs>
-</ds:datastoreItem>
-</file>
-
-<file path=customXml/itemProps3.xml><?xml version="1.0" encoding="utf-8"?>
-<ds:datastoreItem xmlns:ds="http://schemas.openxmlformats.org/officeDocument/2006/customXml" ds:itemID="{10BEB954-4024-4CCF-A9D6-4C00FDC028D9}">
-  <ds:schemaRefs>
-    <ds:schemaRef ds:uri="http://schemas.microsoft.com/sharepoint/v3/contenttype/forms"/>
-  </ds:schemaRefs>
-</ds:datastoreItem>
 </file>